--- a/Day-1-Intro-to-CV/1.2 - Overview-of-DL.pptx
+++ b/Day-1-Intro-to-CV/1.2 - Overview-of-DL.pptx
@@ -130,6 +130,9 @@
   <p:extLst>
     <p:ext uri="{EFAFB233-063F-42B5-8137-9DF3F51BA10A}">
       <p15:sldGuideLst xmlns:p15="http://schemas.microsoft.com/office/powerpoint/2012/main"/>
+    </p:ext>
+    <p:ext uri="{2D200454-40CA-4A62-9FC3-DE9A4176ACB9}">
+      <p15:notesGuideLst xmlns:p15="http://schemas.microsoft.com/office/powerpoint/2012/main"/>
     </p:ext>
   </p:extLst>
 </p:presentation>
@@ -989,7 +992,7 @@
           <a:p>
             <a:fld id="{D05A80CC-95A6-49D8-A23C-61AE2FDFDA8A}" type="datetimeFigureOut">
               <a:rPr lang="en-GB" smtClean="0"/>
-              <a:t>18/08/2024</a:t>
+              <a:t>20/08/2024</a:t>
             </a:fld>
             <a:endParaRPr lang="en-GB"/>
           </a:p>
@@ -1166,7 +1169,7 @@
           <a:p>
             <a:fld id="{7749BA5B-2039-434B-BCF9-6E0125737D1C}" type="datetimeFigureOut">
               <a:rPr lang="en-GB" smtClean="0"/>
-              <a:t>18/08/2024</a:t>
+              <a:t>20/08/2024</a:t>
             </a:fld>
             <a:endParaRPr lang="en-GB"/>
           </a:p>
@@ -1649,7 +1652,7 @@
           <a:p>
             <a:fld id="{4C91E4DF-AA96-BA4B-9490-EA21B6F3B437}" type="datetime1">
               <a:rPr lang="en-GB" smtClean="0"/>
-              <a:t>18/08/2024</a:t>
+              <a:t>20/08/2024</a:t>
             </a:fld>
             <a:endParaRPr lang="en-GB"/>
           </a:p>
@@ -1819,7 +1822,7 @@
           <a:p>
             <a:fld id="{EE709486-C6CE-A643-866E-8A331E43D7D7}" type="datetime1">
               <a:rPr lang="en-GB" smtClean="0"/>
-              <a:t>18/08/2024</a:t>
+              <a:t>20/08/2024</a:t>
             </a:fld>
             <a:endParaRPr lang="en-GB"/>
           </a:p>
@@ -1999,7 +2002,7 @@
           <a:p>
             <a:fld id="{807CCDDC-20B2-E447-8E4F-0EBA179EE65B}" type="datetime1">
               <a:rPr lang="en-GB" smtClean="0"/>
-              <a:t>18/08/2024</a:t>
+              <a:t>20/08/2024</a:t>
             </a:fld>
             <a:endParaRPr lang="en-GB"/>
           </a:p>
@@ -2195,7 +2198,7 @@
           <a:p>
             <a:fld id="{276B5528-0FC0-CF43-B393-1DEAD16B3BA9}" type="datetime1">
               <a:rPr lang="en-GB" smtClean="0"/>
-              <a:t>18/08/2024</a:t>
+              <a:t>20/08/2024</a:t>
             </a:fld>
             <a:endParaRPr lang="en-GB"/>
           </a:p>
@@ -3265,7 +3268,7 @@
           <a:p>
             <a:fld id="{6E4651D6-7417-1443-8B35-892745CC3A91}" type="datetime1">
               <a:rPr lang="en-GB" smtClean="0"/>
-              <a:t>18/08/2024</a:t>
+              <a:t>20/08/2024</a:t>
             </a:fld>
             <a:endParaRPr lang="en-GB"/>
           </a:p>
@@ -3497,7 +3500,7 @@
           <a:p>
             <a:fld id="{C2FBCE66-E3B0-EF48-B168-7DDF300309BF}" type="datetime1">
               <a:rPr lang="en-GB" smtClean="0"/>
-              <a:t>18/08/2024</a:t>
+              <a:t>20/08/2024</a:t>
             </a:fld>
             <a:endParaRPr lang="en-GB"/>
           </a:p>
@@ -3864,7 +3867,7 @@
           <a:p>
             <a:fld id="{845FFBD5-4946-A442-84C7-4C8C0AB10F4F}" type="datetime1">
               <a:rPr lang="en-GB" smtClean="0"/>
-              <a:t>18/08/2024</a:t>
+              <a:t>20/08/2024</a:t>
             </a:fld>
             <a:endParaRPr lang="en-GB"/>
           </a:p>
@@ -3982,7 +3985,7 @@
           <a:p>
             <a:fld id="{B9AFF6B2-3C41-2A43-AD61-E8BEE2F21CBE}" type="datetime1">
               <a:rPr lang="en-GB" smtClean="0"/>
-              <a:t>18/08/2024</a:t>
+              <a:t>20/08/2024</a:t>
             </a:fld>
             <a:endParaRPr lang="en-GB"/>
           </a:p>
@@ -4077,7 +4080,7 @@
           <a:p>
             <a:fld id="{D3702801-DD9D-144D-A6D7-DAACB2C1B94F}" type="datetime1">
               <a:rPr lang="en-GB" smtClean="0"/>
-              <a:t>18/08/2024</a:t>
+              <a:t>20/08/2024</a:t>
             </a:fld>
             <a:endParaRPr lang="en-GB"/>
           </a:p>
@@ -4354,7 +4357,7 @@
           <a:p>
             <a:fld id="{5C445683-D338-2841-828F-F8B7A4D38D33}" type="datetime1">
               <a:rPr lang="en-GB" smtClean="0"/>
-              <a:t>18/08/2024</a:t>
+              <a:t>20/08/2024</a:t>
             </a:fld>
             <a:endParaRPr lang="en-GB"/>
           </a:p>
@@ -4607,7 +4610,7 @@
           <a:p>
             <a:fld id="{0C34D948-243F-FE41-AC1D-C51B2B65E2D2}" type="datetime1">
               <a:rPr lang="en-GB" smtClean="0"/>
-              <a:t>18/08/2024</a:t>
+              <a:t>20/08/2024</a:t>
             </a:fld>
             <a:endParaRPr lang="en-GB"/>
           </a:p>
@@ -4820,7 +4823,7 @@
           <a:p>
             <a:fld id="{FCE9F5A0-AF8F-E049-B449-BA36575A92F9}" type="datetime1">
               <a:rPr lang="en-GB" smtClean="0"/>
-              <a:t>18/08/2024</a:t>
+              <a:t>20/08/2024</a:t>
             </a:fld>
             <a:endParaRPr lang="en-GB"/>
           </a:p>
@@ -15146,6 +15149,23 @@
 </file>
 
 <file path=customXml/item1.xml><?xml version="1.0" encoding="utf-8"?>
+<p:properties xmlns:p="http://schemas.microsoft.com/office/2006/metadata/properties" xmlns:xsi="http://www.w3.org/2001/XMLSchema-instance" xmlns:pc="http://schemas.microsoft.com/office/infopath/2007/PartnerControls">
+  <documentManagement>
+    <_activity xmlns="05134dd9-c034-4942-b2d7-fbd1eafcac92" xsi:nil="true"/>
+  </documentManagement>
+</p:properties>
+</file>
+
+<file path=customXml/item2.xml><?xml version="1.0" encoding="utf-8"?>
+<?mso-contentType ?>
+<FormTemplates xmlns="http://schemas.microsoft.com/sharepoint/v3/contenttype/forms">
+  <Display>DocumentLibraryForm</Display>
+  <Edit>DocumentLibraryForm</Edit>
+  <New>DocumentLibraryForm</New>
+</FormTemplates>
+</file>
+
+<file path=customXml/item3.xml><?xml version="1.0" encoding="utf-8"?>
 <ct:contentTypeSchema xmlns:ct="http://schemas.microsoft.com/office/2006/metadata/contentType" xmlns:ma="http://schemas.microsoft.com/office/2006/metadata/properties/metaAttributes" ct:_="" ma:_="" ma:contentTypeName="Document" ma:contentTypeID="0x0101002A7ED06A76BCB4498FC2C5C62673B35A" ma:contentTypeVersion="6" ma:contentTypeDescription="Create a new document." ma:contentTypeScope="" ma:versionID="d7423cdd8774633b87ff54a088915c1a">
   <xsd:schema xmlns:xsd="http://www.w3.org/2001/XMLSchema" xmlns:xs="http://www.w3.org/2001/XMLSchema" xmlns:p="http://schemas.microsoft.com/office/2006/metadata/properties" xmlns:ns3="05134dd9-c034-4942-b2d7-fbd1eafcac92" xmlns:ns4="43d65d49-6ab5-4b4b-8a89-49aeed78adf8" targetNamespace="http://schemas.microsoft.com/office/2006/metadata/properties" ma:root="true" ma:fieldsID="692f76f97a08b68f651c822524154e1b" ns3:_="" ns4:_="">
     <xsd:import namespace="05134dd9-c034-4942-b2d7-fbd1eafcac92"/>
@@ -15322,24 +15342,32 @@
 </ct:contentTypeSchema>
 </file>
 
-<file path=customXml/item2.xml><?xml version="1.0" encoding="utf-8"?>
-<?mso-contentType ?>
-<FormTemplates xmlns="http://schemas.microsoft.com/sharepoint/v3/contenttype/forms">
-  <Display>DocumentLibraryForm</Display>
-  <Edit>DocumentLibraryForm</Edit>
-  <New>DocumentLibraryForm</New>
-</FormTemplates>
+<file path=customXml/itemProps1.xml><?xml version="1.0" encoding="utf-8"?>
+<ds:datastoreItem xmlns:ds="http://schemas.openxmlformats.org/officeDocument/2006/customXml" ds:itemID="{99F9C559-DDDE-42D5-A039-6AFB890D9939}">
+  <ds:schemaRefs>
+    <ds:schemaRef ds:uri="05134dd9-c034-4942-b2d7-fbd1eafcac92"/>
+    <ds:schemaRef ds:uri="http://schemas.microsoft.com/office/2006/documentManagement/types"/>
+    <ds:schemaRef ds:uri="http://purl.org/dc/elements/1.1/"/>
+    <ds:schemaRef ds:uri="http://www.w3.org/XML/1998/namespace"/>
+    <ds:schemaRef ds:uri="http://purl.org/dc/dcmitype/"/>
+    <ds:schemaRef ds:uri="http://schemas.microsoft.com/office/2006/metadata/properties"/>
+    <ds:schemaRef ds:uri="http://schemas.microsoft.com/office/infopath/2007/PartnerControls"/>
+    <ds:schemaRef ds:uri="http://schemas.openxmlformats.org/package/2006/metadata/core-properties"/>
+    <ds:schemaRef ds:uri="43d65d49-6ab5-4b4b-8a89-49aeed78adf8"/>
+    <ds:schemaRef ds:uri="http://purl.org/dc/terms/"/>
+  </ds:schemaRefs>
+</ds:datastoreItem>
 </file>
 
-<file path=customXml/item3.xml><?xml version="1.0" encoding="utf-8"?>
-<p:properties xmlns:p="http://schemas.microsoft.com/office/2006/metadata/properties" xmlns:xsi="http://www.w3.org/2001/XMLSchema-instance" xmlns:pc="http://schemas.microsoft.com/office/infopath/2007/PartnerControls">
-  <documentManagement>
-    <_activity xmlns="05134dd9-c034-4942-b2d7-fbd1eafcac92" xsi:nil="true"/>
-  </documentManagement>
-</p:properties>
+<file path=customXml/itemProps2.xml><?xml version="1.0" encoding="utf-8"?>
+<ds:datastoreItem xmlns:ds="http://schemas.openxmlformats.org/officeDocument/2006/customXml" ds:itemID="{BFDE277E-6EEC-40D1-AE2B-3070E42E7325}">
+  <ds:schemaRefs>
+    <ds:schemaRef ds:uri="http://schemas.microsoft.com/sharepoint/v3/contenttype/forms"/>
+  </ds:schemaRefs>
+</ds:datastoreItem>
 </file>
 
-<file path=customXml/itemProps1.xml><?xml version="1.0" encoding="utf-8"?>
+<file path=customXml/itemProps3.xml><?xml version="1.0" encoding="utf-8"?>
 <ds:datastoreItem xmlns:ds="http://schemas.openxmlformats.org/officeDocument/2006/customXml" ds:itemID="{BFF23B9D-9796-4B98-B7BE-452B5396C6BC}">
   <ds:schemaRefs>
     <ds:schemaRef ds:uri="http://schemas.microsoft.com/office/2006/metadata/contentType"/>
@@ -15356,29 +15384,4 @@
     <ds:schemaRef ds:uri="http://schemas.microsoft.com/internal/obd"/>
   </ds:schemaRefs>
 </ds:datastoreItem>
-</file>
-
-<file path=customXml/itemProps2.xml><?xml version="1.0" encoding="utf-8"?>
-<ds:datastoreItem xmlns:ds="http://schemas.openxmlformats.org/officeDocument/2006/customXml" ds:itemID="{BFDE277E-6EEC-40D1-AE2B-3070E42E7325}">
-  <ds:schemaRefs>
-    <ds:schemaRef ds:uri="http://schemas.microsoft.com/sharepoint/v3/contenttype/forms"/>
-  </ds:schemaRefs>
-</ds:datastoreItem>
-</file>
-
-<file path=customXml/itemProps3.xml><?xml version="1.0" encoding="utf-8"?>
-<ds:datastoreItem xmlns:ds="http://schemas.openxmlformats.org/officeDocument/2006/customXml" ds:itemID="{99F9C559-DDDE-42D5-A039-6AFB890D9939}">
-  <ds:schemaRefs>
-    <ds:schemaRef ds:uri="05134dd9-c034-4942-b2d7-fbd1eafcac92"/>
-    <ds:schemaRef ds:uri="http://schemas.microsoft.com/office/2006/documentManagement/types"/>
-    <ds:schemaRef ds:uri="http://purl.org/dc/elements/1.1/"/>
-    <ds:schemaRef ds:uri="http://www.w3.org/XML/1998/namespace"/>
-    <ds:schemaRef ds:uri="http://purl.org/dc/dcmitype/"/>
-    <ds:schemaRef ds:uri="http://schemas.microsoft.com/office/2006/metadata/properties"/>
-    <ds:schemaRef ds:uri="http://schemas.microsoft.com/office/infopath/2007/PartnerControls"/>
-    <ds:schemaRef ds:uri="http://schemas.openxmlformats.org/package/2006/metadata/core-properties"/>
-    <ds:schemaRef ds:uri="43d65d49-6ab5-4b4b-8a89-49aeed78adf8"/>
-    <ds:schemaRef ds:uri="http://purl.org/dc/terms/"/>
-  </ds:schemaRefs>
-</ds:datastoreItem>
 </file>